--- a/applications/4_model_for_shock/shock example.pptx
+++ b/applications/4_model_for_shock/shock example.pptx
@@ -105,6 +105,11 @@
       </a:defRPr>
     </a:lvl9pPr>
   </p:defaultTextStyle>
+  <p:extLst>
+    <p:ext uri="{EFAFB233-063F-42B5-8137-9DF3F51BA10A}">
+      <p15:sldGuideLst xmlns:p15="http://schemas.microsoft.com/office/powerpoint/2012/main"/>
+    </p:ext>
+  </p:extLst>
 </p:presentation>
 </file>
 
@@ -4192,6 +4197,690 @@
           </a:p>
         </p:txBody>
       </p:sp>
+      <p:sp>
+        <p:nvSpPr>
+          <p:cNvPr id="20" name="TextBox 19">
+            <a:extLst>
+              <a:ext uri="{FF2B5EF4-FFF2-40B4-BE49-F238E27FC236}">
+                <a16:creationId xmlns:a16="http://schemas.microsoft.com/office/drawing/2014/main" id="{C4DC79A1-F2D7-F525-C900-0809AD0AFA66}"/>
+              </a:ext>
+            </a:extLst>
+          </p:cNvPr>
+          <p:cNvSpPr txBox="1"/>
+          <p:nvPr/>
+        </p:nvSpPr>
+        <p:spPr>
+          <a:xfrm>
+            <a:off x="889821" y="1553463"/>
+            <a:ext cx="3652682" cy="369332"/>
+          </a:xfrm>
+          <a:prstGeom prst="rect">
+            <a:avLst/>
+          </a:prstGeom>
+          <a:noFill/>
+        </p:spPr>
+        <p:txBody>
+          <a:bodyPr wrap="square" rtlCol="0">
+            <a:spAutoFit/>
+          </a:bodyPr>
+          <a:lstStyle/>
+          <a:p>
+            <a:r>
+              <a:rPr lang="en-CA" b="1"/>
+              <a:t>Tank</a:t>
+            </a:r>
+            <a:r>
+              <a:rPr lang="en-CA"/>
+              <a:t> </a:t>
+            </a:r>
+            <a:r>
+              <a:rPr lang="en-CA" i="1"/>
+              <a:t>(Intravascular Fluid Volume)</a:t>
+            </a:r>
+          </a:p>
+        </p:txBody>
+      </p:sp>
+      <p:sp>
+        <p:nvSpPr>
+          <p:cNvPr id="21" name="TextBox 20">
+            <a:extLst>
+              <a:ext uri="{FF2B5EF4-FFF2-40B4-BE49-F238E27FC236}">
+                <a16:creationId xmlns:a16="http://schemas.microsoft.com/office/drawing/2014/main" id="{B4093BC1-3C19-47B3-836D-EEC6EC8153F9}"/>
+              </a:ext>
+            </a:extLst>
+          </p:cNvPr>
+          <p:cNvSpPr txBox="1"/>
+          <p:nvPr/>
+        </p:nvSpPr>
+        <p:spPr>
+          <a:xfrm>
+            <a:off x="5619136" y="5435944"/>
+            <a:ext cx="1509251" cy="369332"/>
+          </a:xfrm>
+          <a:prstGeom prst="rect">
+            <a:avLst/>
+          </a:prstGeom>
+          <a:noFill/>
+        </p:spPr>
+        <p:txBody>
+          <a:bodyPr wrap="square" rtlCol="0">
+            <a:spAutoFit/>
+          </a:bodyPr>
+          <a:lstStyle/>
+          <a:p>
+            <a:r>
+              <a:rPr lang="en-CA" b="1"/>
+              <a:t>Pump</a:t>
+            </a:r>
+            <a:r>
+              <a:rPr lang="en-CA"/>
+              <a:t> (</a:t>
+            </a:r>
+            <a:r>
+              <a:rPr lang="en-CA" i="1"/>
+              <a:t>heart</a:t>
+            </a:r>
+            <a:r>
+              <a:rPr lang="en-CA"/>
+              <a:t>)</a:t>
+            </a:r>
+          </a:p>
+        </p:txBody>
+      </p:sp>
+      <p:sp>
+        <p:nvSpPr>
+          <p:cNvPr id="22" name="TextBox 21">
+            <a:extLst>
+              <a:ext uri="{FF2B5EF4-FFF2-40B4-BE49-F238E27FC236}">
+                <a16:creationId xmlns:a16="http://schemas.microsoft.com/office/drawing/2014/main" id="{88D5AF12-F1EB-9296-1B8C-342C311AE615}"/>
+              </a:ext>
+            </a:extLst>
+          </p:cNvPr>
+          <p:cNvSpPr txBox="1"/>
+          <p:nvPr/>
+        </p:nvSpPr>
+        <p:spPr>
+          <a:xfrm>
+            <a:off x="5776451" y="1838632"/>
+            <a:ext cx="1351936" cy="369332"/>
+          </a:xfrm>
+          <a:prstGeom prst="rect">
+            <a:avLst/>
+          </a:prstGeom>
+          <a:ln>
+            <a:solidFill>
+              <a:srgbClr val="C00000"/>
+            </a:solidFill>
+          </a:ln>
+        </p:spPr>
+        <p:style>
+          <a:lnRef idx="2">
+            <a:schemeClr val="accent5"/>
+          </a:lnRef>
+          <a:fillRef idx="1">
+            <a:schemeClr val="lt1"/>
+          </a:fillRef>
+          <a:effectRef idx="0">
+            <a:schemeClr val="accent5"/>
+          </a:effectRef>
+          <a:fontRef idx="minor">
+            <a:schemeClr val="dk1"/>
+          </a:fontRef>
+        </p:style>
+        <p:txBody>
+          <a:bodyPr wrap="square" rtlCol="0">
+            <a:spAutoFit/>
+          </a:bodyPr>
+          <a:lstStyle/>
+          <a:p>
+            <a:r>
+              <a:rPr lang="en-CA"/>
+              <a:t>End Organs</a:t>
+            </a:r>
+          </a:p>
+        </p:txBody>
+      </p:sp>
+      <p:sp>
+        <p:nvSpPr>
+          <p:cNvPr id="23" name="TextBox 22">
+            <a:extLst>
+              <a:ext uri="{FF2B5EF4-FFF2-40B4-BE49-F238E27FC236}">
+                <a16:creationId xmlns:a16="http://schemas.microsoft.com/office/drawing/2014/main" id="{2AD12130-48D7-10F3-38E0-B6E61C19B838}"/>
+              </a:ext>
+            </a:extLst>
+          </p:cNvPr>
+          <p:cNvSpPr txBox="1"/>
+          <p:nvPr/>
+        </p:nvSpPr>
+        <p:spPr>
+          <a:xfrm>
+            <a:off x="3485538" y="4356989"/>
+            <a:ext cx="2610462" cy="369332"/>
+          </a:xfrm>
+          <a:prstGeom prst="rect">
+            <a:avLst/>
+          </a:prstGeom>
+          <a:noFill/>
+        </p:spPr>
+        <p:txBody>
+          <a:bodyPr wrap="square" rtlCol="0">
+            <a:spAutoFit/>
+          </a:bodyPr>
+          <a:lstStyle/>
+          <a:p>
+            <a:r>
+              <a:rPr lang="en-CA" b="1"/>
+              <a:t>Pipes</a:t>
+            </a:r>
+            <a:r>
+              <a:rPr lang="en-CA"/>
+              <a:t> </a:t>
+            </a:r>
+            <a:r>
+              <a:rPr lang="en-CA" i="1"/>
+              <a:t>(Vasculature)</a:t>
+            </a:r>
+          </a:p>
+        </p:txBody>
+      </p:sp>
+      <p:sp>
+        <p:nvSpPr>
+          <p:cNvPr id="24" name="Rectangle: Rounded Corners 23">
+            <a:extLst>
+              <a:ext uri="{FF2B5EF4-FFF2-40B4-BE49-F238E27FC236}">
+                <a16:creationId xmlns:a16="http://schemas.microsoft.com/office/drawing/2014/main" id="{53E0E731-7843-E628-292F-D424EB7FF3F8}"/>
+              </a:ext>
+            </a:extLst>
+          </p:cNvPr>
+          <p:cNvSpPr/>
+          <p:nvPr/>
+        </p:nvSpPr>
+        <p:spPr>
+          <a:xfrm>
+            <a:off x="1292944" y="1922795"/>
+            <a:ext cx="2123767" cy="3362633"/>
+          </a:xfrm>
+          <a:prstGeom prst="roundRect">
+            <a:avLst/>
+          </a:prstGeom>
+          <a:ln/>
+        </p:spPr>
+        <p:style>
+          <a:lnRef idx="2">
+            <a:schemeClr val="accent1"/>
+          </a:lnRef>
+          <a:fillRef idx="1">
+            <a:schemeClr val="lt1"/>
+          </a:fillRef>
+          <a:effectRef idx="0">
+            <a:schemeClr val="accent1"/>
+          </a:effectRef>
+          <a:fontRef idx="minor">
+            <a:schemeClr val="dk1"/>
+          </a:fontRef>
+        </p:style>
+        <p:txBody>
+          <a:bodyPr rtlCol="0" anchor="ctr"/>
+          <a:lstStyle/>
+          <a:p>
+            <a:pPr algn="ctr"/>
+            <a:endParaRPr lang="en-CA"/>
+          </a:p>
+        </p:txBody>
+      </p:sp>
+      <p:sp>
+        <p:nvSpPr>
+          <p:cNvPr id="25" name="TextBox 24">
+            <a:extLst>
+              <a:ext uri="{FF2B5EF4-FFF2-40B4-BE49-F238E27FC236}">
+                <a16:creationId xmlns:a16="http://schemas.microsoft.com/office/drawing/2014/main" id="{BC4431F5-F6A0-A405-C29D-8E0D5B196F52}"/>
+              </a:ext>
+            </a:extLst>
+          </p:cNvPr>
+          <p:cNvSpPr txBox="1"/>
+          <p:nvPr/>
+        </p:nvSpPr>
+        <p:spPr>
+          <a:xfrm>
+            <a:off x="1772266" y="1069569"/>
+            <a:ext cx="6037006" cy="369332"/>
+          </a:xfrm>
+          <a:prstGeom prst="rect">
+            <a:avLst/>
+          </a:prstGeom>
+          <a:noFill/>
+        </p:spPr>
+        <p:txBody>
+          <a:bodyPr wrap="square" rtlCol="0">
+            <a:spAutoFit/>
+          </a:bodyPr>
+          <a:lstStyle/>
+          <a:p>
+            <a:r>
+              <a:rPr lang="en-CA" b="1" u="sng"/>
+              <a:t>Tank-Pump-Pipe Model for the 4 types of Shock</a:t>
+            </a:r>
+          </a:p>
+        </p:txBody>
+      </p:sp>
+      <p:sp>
+        <p:nvSpPr>
+          <p:cNvPr id="26" name="TextBox 25">
+            <a:extLst>
+              <a:ext uri="{FF2B5EF4-FFF2-40B4-BE49-F238E27FC236}">
+                <a16:creationId xmlns:a16="http://schemas.microsoft.com/office/drawing/2014/main" id="{02ACE997-2F1D-C7B6-131A-A6FD9D032F5E}"/>
+              </a:ext>
+            </a:extLst>
+          </p:cNvPr>
+          <p:cNvSpPr txBox="1"/>
+          <p:nvPr/>
+        </p:nvSpPr>
+        <p:spPr>
+          <a:xfrm>
+            <a:off x="1549499" y="3849817"/>
+            <a:ext cx="1610656" cy="646331"/>
+          </a:xfrm>
+          <a:prstGeom prst="rect">
+            <a:avLst/>
+          </a:prstGeom>
+          <a:noFill/>
+        </p:spPr>
+        <p:txBody>
+          <a:bodyPr wrap="square" rtlCol="0">
+            <a:spAutoFit/>
+          </a:bodyPr>
+          <a:lstStyle/>
+          <a:p>
+            <a:r>
+              <a:rPr lang="en-CA" b="1" i="1">
+                <a:solidFill>
+                  <a:srgbClr val="FF0000"/>
+                </a:solidFill>
+              </a:rPr>
+              <a:t>Empty Tank - Hypovolemic</a:t>
+            </a:r>
+          </a:p>
+        </p:txBody>
+      </p:sp>
+      <p:sp>
+        <p:nvSpPr>
+          <p:cNvPr id="27" name="TextBox 26">
+            <a:extLst>
+              <a:ext uri="{FF2B5EF4-FFF2-40B4-BE49-F238E27FC236}">
+                <a16:creationId xmlns:a16="http://schemas.microsoft.com/office/drawing/2014/main" id="{DF6056A6-7845-4EB6-AE2D-25CFBC7AF0ED}"/>
+              </a:ext>
+            </a:extLst>
+          </p:cNvPr>
+          <p:cNvSpPr txBox="1"/>
+          <p:nvPr/>
+        </p:nvSpPr>
+        <p:spPr>
+          <a:xfrm>
+            <a:off x="6981514" y="4747695"/>
+            <a:ext cx="1610656" cy="646331"/>
+          </a:xfrm>
+          <a:prstGeom prst="rect">
+            <a:avLst/>
+          </a:prstGeom>
+          <a:noFill/>
+        </p:spPr>
+        <p:txBody>
+          <a:bodyPr wrap="square" rtlCol="0">
+            <a:spAutoFit/>
+          </a:bodyPr>
+          <a:lstStyle/>
+          <a:p>
+            <a:r>
+              <a:rPr lang="en-CA" b="1" i="1">
+                <a:solidFill>
+                  <a:srgbClr val="FF0000"/>
+                </a:solidFill>
+              </a:rPr>
+              <a:t>Pump Issue – </a:t>
+            </a:r>
+          </a:p>
+          <a:p>
+            <a:r>
+              <a:rPr lang="en-CA" b="1" i="1">
+                <a:solidFill>
+                  <a:srgbClr val="FF0000"/>
+                </a:solidFill>
+              </a:rPr>
+              <a:t>Cardiogenic</a:t>
+            </a:r>
+          </a:p>
+        </p:txBody>
+      </p:sp>
+      <p:sp>
+        <p:nvSpPr>
+          <p:cNvPr id="28" name="TextBox 27">
+            <a:extLst>
+              <a:ext uri="{FF2B5EF4-FFF2-40B4-BE49-F238E27FC236}">
+                <a16:creationId xmlns:a16="http://schemas.microsoft.com/office/drawing/2014/main" id="{8DC81568-8D9E-5A02-9CF7-1281D022B2A9}"/>
+              </a:ext>
+            </a:extLst>
+          </p:cNvPr>
+          <p:cNvSpPr txBox="1"/>
+          <p:nvPr/>
+        </p:nvSpPr>
+        <p:spPr>
+          <a:xfrm>
+            <a:off x="6903162" y="3516816"/>
+            <a:ext cx="2044192" cy="646331"/>
+          </a:xfrm>
+          <a:prstGeom prst="rect">
+            <a:avLst/>
+          </a:prstGeom>
+          <a:noFill/>
+        </p:spPr>
+        <p:txBody>
+          <a:bodyPr wrap="square" rtlCol="0">
+            <a:spAutoFit/>
+          </a:bodyPr>
+          <a:lstStyle/>
+          <a:p>
+            <a:r>
+              <a:rPr lang="en-CA" b="1" i="1">
+                <a:solidFill>
+                  <a:srgbClr val="FF0000"/>
+                </a:solidFill>
+              </a:rPr>
+              <a:t>Blockage - Obstructive</a:t>
+            </a:r>
+          </a:p>
+        </p:txBody>
+      </p:sp>
+      <p:sp>
+        <p:nvSpPr>
+          <p:cNvPr id="29" name="Rectangle 28">
+            <a:extLst>
+              <a:ext uri="{FF2B5EF4-FFF2-40B4-BE49-F238E27FC236}">
+                <a16:creationId xmlns:a16="http://schemas.microsoft.com/office/drawing/2014/main" id="{F86CA720-86F4-6B4D-D788-AFA5757CCE3F}"/>
+              </a:ext>
+            </a:extLst>
+          </p:cNvPr>
+          <p:cNvSpPr/>
+          <p:nvPr/>
+        </p:nvSpPr>
+        <p:spPr>
+          <a:xfrm rot="16200000">
+            <a:off x="6309541" y="3711442"/>
+            <a:ext cx="369331" cy="275304"/>
+          </a:xfrm>
+          <a:prstGeom prst="rect">
+            <a:avLst/>
+          </a:prstGeom>
+          <a:solidFill>
+            <a:schemeClr val="tx1"/>
+          </a:solidFill>
+        </p:spPr>
+        <p:style>
+          <a:lnRef idx="2">
+            <a:schemeClr val="accent1">
+              <a:shade val="15000"/>
+            </a:schemeClr>
+          </a:lnRef>
+          <a:fillRef idx="1">
+            <a:schemeClr val="accent1"/>
+          </a:fillRef>
+          <a:effectRef idx="0">
+            <a:schemeClr val="accent1"/>
+          </a:effectRef>
+          <a:fontRef idx="minor">
+            <a:schemeClr val="lt1"/>
+          </a:fontRef>
+        </p:style>
+        <p:txBody>
+          <a:bodyPr rtlCol="0" anchor="ctr"/>
+          <a:lstStyle/>
+          <a:p>
+            <a:pPr algn="ctr"/>
+            <a:endParaRPr lang="en-CA"/>
+          </a:p>
+        </p:txBody>
+      </p:sp>
+      <p:cxnSp>
+        <p:nvCxnSpPr>
+          <p:cNvPr id="36" name="Straight Arrow Connector 35">
+            <a:extLst>
+              <a:ext uri="{FF2B5EF4-FFF2-40B4-BE49-F238E27FC236}">
+                <a16:creationId xmlns:a16="http://schemas.microsoft.com/office/drawing/2014/main" id="{52596C97-2066-186B-B1BC-CDB344B39DC7}"/>
+              </a:ext>
+            </a:extLst>
+          </p:cNvPr>
+          <p:cNvCxnSpPr>
+            <a:cxnSpLocks/>
+            <a:stCxn id="28" idx="1"/>
+          </p:cNvCxnSpPr>
+          <p:nvPr/>
+        </p:nvCxnSpPr>
+        <p:spPr>
+          <a:xfrm flipH="1">
+            <a:off x="6494206" y="3839982"/>
+            <a:ext cx="408956" cy="9112"/>
+          </a:xfrm>
+          <a:prstGeom prst="straightConnector1">
+            <a:avLst/>
+          </a:prstGeom>
+          <a:ln>
+            <a:solidFill>
+              <a:srgbClr val="FF0000"/>
+            </a:solidFill>
+            <a:tailEnd type="triangle"/>
+          </a:ln>
+        </p:spPr>
+        <p:style>
+          <a:lnRef idx="2">
+            <a:schemeClr val="accent1"/>
+          </a:lnRef>
+          <a:fillRef idx="0">
+            <a:schemeClr val="accent1"/>
+          </a:fillRef>
+          <a:effectRef idx="1">
+            <a:schemeClr val="accent1"/>
+          </a:effectRef>
+          <a:fontRef idx="minor">
+            <a:schemeClr val="tx1"/>
+          </a:fontRef>
+        </p:style>
+      </p:cxnSp>
+      <p:cxnSp>
+        <p:nvCxnSpPr>
+          <p:cNvPr id="38" name="Straight Arrow Connector 37">
+            <a:extLst>
+              <a:ext uri="{FF2B5EF4-FFF2-40B4-BE49-F238E27FC236}">
+                <a16:creationId xmlns:a16="http://schemas.microsoft.com/office/drawing/2014/main" id="{BA1BF602-0128-936E-D27C-A2A1C32BE2B5}"/>
+              </a:ext>
+            </a:extLst>
+          </p:cNvPr>
+          <p:cNvCxnSpPr>
+            <a:cxnSpLocks/>
+          </p:cNvCxnSpPr>
+          <p:nvPr/>
+        </p:nvCxnSpPr>
+        <p:spPr>
+          <a:xfrm flipH="1">
+            <a:off x="6356555" y="5006216"/>
+            <a:ext cx="638948" cy="9470"/>
+          </a:xfrm>
+          <a:prstGeom prst="straightConnector1">
+            <a:avLst/>
+          </a:prstGeom>
+          <a:ln>
+            <a:solidFill>
+              <a:srgbClr val="FF0000"/>
+            </a:solidFill>
+            <a:tailEnd type="triangle"/>
+          </a:ln>
+        </p:spPr>
+        <p:style>
+          <a:lnRef idx="2">
+            <a:schemeClr val="accent1"/>
+          </a:lnRef>
+          <a:fillRef idx="0">
+            <a:schemeClr val="accent1"/>
+          </a:fillRef>
+          <a:effectRef idx="1">
+            <a:schemeClr val="accent1"/>
+          </a:effectRef>
+          <a:fontRef idx="minor">
+            <a:schemeClr val="tx1"/>
+          </a:fontRef>
+        </p:style>
+      </p:cxnSp>
+      <p:sp>
+        <p:nvSpPr>
+          <p:cNvPr id="42" name="Rectangle: Rounded Corners 41">
+            <a:extLst>
+              <a:ext uri="{FF2B5EF4-FFF2-40B4-BE49-F238E27FC236}">
+                <a16:creationId xmlns:a16="http://schemas.microsoft.com/office/drawing/2014/main" id="{C6A453D1-553C-53EA-A4F1-D96FD645F885}"/>
+              </a:ext>
+            </a:extLst>
+          </p:cNvPr>
+          <p:cNvSpPr/>
+          <p:nvPr/>
+        </p:nvSpPr>
+        <p:spPr>
+          <a:xfrm>
+            <a:off x="1549499" y="5150615"/>
+            <a:ext cx="1610656" cy="132961"/>
+          </a:xfrm>
+          <a:prstGeom prst="roundRect">
+            <a:avLst/>
+          </a:prstGeom>
+          <a:solidFill>
+            <a:schemeClr val="tx2">
+              <a:lumMod val="50000"/>
+              <a:lumOff val="50000"/>
+            </a:schemeClr>
+          </a:solidFill>
+          <a:ln>
+            <a:noFill/>
+          </a:ln>
+        </p:spPr>
+        <p:style>
+          <a:lnRef idx="2">
+            <a:schemeClr val="accent1">
+              <a:shade val="15000"/>
+            </a:schemeClr>
+          </a:lnRef>
+          <a:fillRef idx="1">
+            <a:schemeClr val="accent1"/>
+          </a:fillRef>
+          <a:effectRef idx="0">
+            <a:schemeClr val="accent1"/>
+          </a:effectRef>
+          <a:fontRef idx="minor">
+            <a:schemeClr val="lt1"/>
+          </a:fontRef>
+        </p:style>
+        <p:txBody>
+          <a:bodyPr rtlCol="0" anchor="ctr"/>
+          <a:lstStyle/>
+          <a:p>
+            <a:pPr algn="ctr"/>
+            <a:endParaRPr lang="en-CA"/>
+          </a:p>
+        </p:txBody>
+      </p:sp>
+      <p:sp>
+        <p:nvSpPr>
+          <p:cNvPr id="45" name="Left Brace 44">
+            <a:extLst>
+              <a:ext uri="{FF2B5EF4-FFF2-40B4-BE49-F238E27FC236}">
+                <a16:creationId xmlns:a16="http://schemas.microsoft.com/office/drawing/2014/main" id="{3F8210E3-A3B6-8354-35C8-EB4188445A8F}"/>
+              </a:ext>
+            </a:extLst>
+          </p:cNvPr>
+          <p:cNvSpPr/>
+          <p:nvPr/>
+        </p:nvSpPr>
+        <p:spPr>
+          <a:xfrm rot="16200000">
+            <a:off x="4300146" y="4843460"/>
+            <a:ext cx="169918" cy="1509252"/>
+          </a:xfrm>
+          <a:prstGeom prst="leftBrace">
+            <a:avLst/>
+          </a:prstGeom>
+          <a:ln>
+            <a:solidFill>
+              <a:srgbClr val="FF0000"/>
+            </a:solidFill>
+          </a:ln>
+        </p:spPr>
+        <p:style>
+          <a:lnRef idx="2">
+            <a:schemeClr val="accent1"/>
+          </a:lnRef>
+          <a:fillRef idx="0">
+            <a:schemeClr val="accent1"/>
+          </a:fillRef>
+          <a:effectRef idx="1">
+            <a:schemeClr val="accent1"/>
+          </a:effectRef>
+          <a:fontRef idx="minor">
+            <a:schemeClr val="tx1"/>
+          </a:fontRef>
+        </p:style>
+        <p:txBody>
+          <a:bodyPr rtlCol="0" anchor="ctr"/>
+          <a:lstStyle/>
+          <a:p>
+            <a:pPr algn="ctr"/>
+            <a:endParaRPr lang="en-CA"/>
+          </a:p>
+        </p:txBody>
+      </p:sp>
+      <p:sp>
+        <p:nvSpPr>
+          <p:cNvPr id="46" name="TextBox 45">
+            <a:extLst>
+              <a:ext uri="{FF2B5EF4-FFF2-40B4-BE49-F238E27FC236}">
+                <a16:creationId xmlns:a16="http://schemas.microsoft.com/office/drawing/2014/main" id="{4A25E235-3AAD-A0F1-808B-0EDCFDE16F94}"/>
+              </a:ext>
+            </a:extLst>
+          </p:cNvPr>
+          <p:cNvSpPr txBox="1"/>
+          <p:nvPr/>
+        </p:nvSpPr>
+        <p:spPr>
+          <a:xfrm>
+            <a:off x="3687393" y="5656443"/>
+            <a:ext cx="1610656" cy="646331"/>
+          </a:xfrm>
+          <a:prstGeom prst="rect">
+            <a:avLst/>
+          </a:prstGeom>
+          <a:noFill/>
+        </p:spPr>
+        <p:txBody>
+          <a:bodyPr wrap="square" rtlCol="0">
+            <a:spAutoFit/>
+          </a:bodyPr>
+          <a:lstStyle/>
+          <a:p>
+            <a:r>
+              <a:rPr lang="en-CA" b="1" i="1">
+                <a:solidFill>
+                  <a:srgbClr val="FF0000"/>
+                </a:solidFill>
+              </a:rPr>
+              <a:t>Leaky Pipes – </a:t>
+            </a:r>
+          </a:p>
+          <a:p>
+            <a:r>
+              <a:rPr lang="en-CA" b="1" i="1">
+                <a:solidFill>
+                  <a:srgbClr val="FF0000"/>
+                </a:solidFill>
+              </a:rPr>
+              <a:t>Distributive</a:t>
+            </a:r>
+          </a:p>
+        </p:txBody>
+      </p:sp>
       <p:grpSp>
         <p:nvGrpSpPr>
           <p:cNvPr id="16" name="Group 15">
@@ -4354,690 +5043,6 @@
           </p:txBody>
         </p:sp>
       </p:grpSp>
-      <p:sp>
-        <p:nvSpPr>
-          <p:cNvPr id="20" name="TextBox 19">
-            <a:extLst>
-              <a:ext uri="{FF2B5EF4-FFF2-40B4-BE49-F238E27FC236}">
-                <a16:creationId xmlns:a16="http://schemas.microsoft.com/office/drawing/2014/main" id="{C4DC79A1-F2D7-F525-C900-0809AD0AFA66}"/>
-              </a:ext>
-            </a:extLst>
-          </p:cNvPr>
-          <p:cNvSpPr txBox="1"/>
-          <p:nvPr/>
-        </p:nvSpPr>
-        <p:spPr>
-          <a:xfrm>
-            <a:off x="889821" y="1553463"/>
-            <a:ext cx="3652682" cy="369332"/>
-          </a:xfrm>
-          <a:prstGeom prst="rect">
-            <a:avLst/>
-          </a:prstGeom>
-          <a:noFill/>
-        </p:spPr>
-        <p:txBody>
-          <a:bodyPr wrap="square" rtlCol="0">
-            <a:spAutoFit/>
-          </a:bodyPr>
-          <a:lstStyle/>
-          <a:p>
-            <a:r>
-              <a:rPr lang="en-CA" b="1"/>
-              <a:t>Tank</a:t>
-            </a:r>
-            <a:r>
-              <a:rPr lang="en-CA"/>
-              <a:t> </a:t>
-            </a:r>
-            <a:r>
-              <a:rPr lang="en-CA" i="1"/>
-              <a:t>(Intravascular Fluid Volume)</a:t>
-            </a:r>
-          </a:p>
-        </p:txBody>
-      </p:sp>
-      <p:sp>
-        <p:nvSpPr>
-          <p:cNvPr id="21" name="TextBox 20">
-            <a:extLst>
-              <a:ext uri="{FF2B5EF4-FFF2-40B4-BE49-F238E27FC236}">
-                <a16:creationId xmlns:a16="http://schemas.microsoft.com/office/drawing/2014/main" id="{B4093BC1-3C19-47B3-836D-EEC6EC8153F9}"/>
-              </a:ext>
-            </a:extLst>
-          </p:cNvPr>
-          <p:cNvSpPr txBox="1"/>
-          <p:nvPr/>
-        </p:nvSpPr>
-        <p:spPr>
-          <a:xfrm>
-            <a:off x="5619136" y="5435944"/>
-            <a:ext cx="1509251" cy="369332"/>
-          </a:xfrm>
-          <a:prstGeom prst="rect">
-            <a:avLst/>
-          </a:prstGeom>
-          <a:noFill/>
-        </p:spPr>
-        <p:txBody>
-          <a:bodyPr wrap="square" rtlCol="0">
-            <a:spAutoFit/>
-          </a:bodyPr>
-          <a:lstStyle/>
-          <a:p>
-            <a:r>
-              <a:rPr lang="en-CA" b="1"/>
-              <a:t>Pump</a:t>
-            </a:r>
-            <a:r>
-              <a:rPr lang="en-CA"/>
-              <a:t> (</a:t>
-            </a:r>
-            <a:r>
-              <a:rPr lang="en-CA" i="1"/>
-              <a:t>heart</a:t>
-            </a:r>
-            <a:r>
-              <a:rPr lang="en-CA"/>
-              <a:t>)</a:t>
-            </a:r>
-          </a:p>
-        </p:txBody>
-      </p:sp>
-      <p:sp>
-        <p:nvSpPr>
-          <p:cNvPr id="22" name="TextBox 21">
-            <a:extLst>
-              <a:ext uri="{FF2B5EF4-FFF2-40B4-BE49-F238E27FC236}">
-                <a16:creationId xmlns:a16="http://schemas.microsoft.com/office/drawing/2014/main" id="{88D5AF12-F1EB-9296-1B8C-342C311AE615}"/>
-              </a:ext>
-            </a:extLst>
-          </p:cNvPr>
-          <p:cNvSpPr txBox="1"/>
-          <p:nvPr/>
-        </p:nvSpPr>
-        <p:spPr>
-          <a:xfrm>
-            <a:off x="5776451" y="1838632"/>
-            <a:ext cx="1351936" cy="369332"/>
-          </a:xfrm>
-          <a:prstGeom prst="rect">
-            <a:avLst/>
-          </a:prstGeom>
-          <a:ln>
-            <a:solidFill>
-              <a:srgbClr val="C00000"/>
-            </a:solidFill>
-          </a:ln>
-        </p:spPr>
-        <p:style>
-          <a:lnRef idx="2">
-            <a:schemeClr val="accent5"/>
-          </a:lnRef>
-          <a:fillRef idx="1">
-            <a:schemeClr val="lt1"/>
-          </a:fillRef>
-          <a:effectRef idx="0">
-            <a:schemeClr val="accent5"/>
-          </a:effectRef>
-          <a:fontRef idx="minor">
-            <a:schemeClr val="dk1"/>
-          </a:fontRef>
-        </p:style>
-        <p:txBody>
-          <a:bodyPr wrap="square" rtlCol="0">
-            <a:spAutoFit/>
-          </a:bodyPr>
-          <a:lstStyle/>
-          <a:p>
-            <a:r>
-              <a:rPr lang="en-CA"/>
-              <a:t>End Organs</a:t>
-            </a:r>
-          </a:p>
-        </p:txBody>
-      </p:sp>
-      <p:sp>
-        <p:nvSpPr>
-          <p:cNvPr id="23" name="TextBox 22">
-            <a:extLst>
-              <a:ext uri="{FF2B5EF4-FFF2-40B4-BE49-F238E27FC236}">
-                <a16:creationId xmlns:a16="http://schemas.microsoft.com/office/drawing/2014/main" id="{2AD12130-48D7-10F3-38E0-B6E61C19B838}"/>
-              </a:ext>
-            </a:extLst>
-          </p:cNvPr>
-          <p:cNvSpPr txBox="1"/>
-          <p:nvPr/>
-        </p:nvSpPr>
-        <p:spPr>
-          <a:xfrm>
-            <a:off x="3485538" y="4356989"/>
-            <a:ext cx="2610462" cy="369332"/>
-          </a:xfrm>
-          <a:prstGeom prst="rect">
-            <a:avLst/>
-          </a:prstGeom>
-          <a:noFill/>
-        </p:spPr>
-        <p:txBody>
-          <a:bodyPr wrap="square" rtlCol="0">
-            <a:spAutoFit/>
-          </a:bodyPr>
-          <a:lstStyle/>
-          <a:p>
-            <a:r>
-              <a:rPr lang="en-CA" b="1"/>
-              <a:t>Pipes</a:t>
-            </a:r>
-            <a:r>
-              <a:rPr lang="en-CA"/>
-              <a:t> </a:t>
-            </a:r>
-            <a:r>
-              <a:rPr lang="en-CA" i="1"/>
-              <a:t>(Vasculature)</a:t>
-            </a:r>
-          </a:p>
-        </p:txBody>
-      </p:sp>
-      <p:sp>
-        <p:nvSpPr>
-          <p:cNvPr id="24" name="Rectangle: Rounded Corners 23">
-            <a:extLst>
-              <a:ext uri="{FF2B5EF4-FFF2-40B4-BE49-F238E27FC236}">
-                <a16:creationId xmlns:a16="http://schemas.microsoft.com/office/drawing/2014/main" id="{53E0E731-7843-E628-292F-D424EB7FF3F8}"/>
-              </a:ext>
-            </a:extLst>
-          </p:cNvPr>
-          <p:cNvSpPr/>
-          <p:nvPr/>
-        </p:nvSpPr>
-        <p:spPr>
-          <a:xfrm>
-            <a:off x="1292944" y="1922795"/>
-            <a:ext cx="2123767" cy="3362633"/>
-          </a:xfrm>
-          <a:prstGeom prst="roundRect">
-            <a:avLst/>
-          </a:prstGeom>
-          <a:ln/>
-        </p:spPr>
-        <p:style>
-          <a:lnRef idx="2">
-            <a:schemeClr val="accent1"/>
-          </a:lnRef>
-          <a:fillRef idx="1">
-            <a:schemeClr val="lt1"/>
-          </a:fillRef>
-          <a:effectRef idx="0">
-            <a:schemeClr val="accent1"/>
-          </a:effectRef>
-          <a:fontRef idx="minor">
-            <a:schemeClr val="dk1"/>
-          </a:fontRef>
-        </p:style>
-        <p:txBody>
-          <a:bodyPr rtlCol="0" anchor="ctr"/>
-          <a:lstStyle/>
-          <a:p>
-            <a:pPr algn="ctr"/>
-            <a:endParaRPr lang="en-CA"/>
-          </a:p>
-        </p:txBody>
-      </p:sp>
-      <p:sp>
-        <p:nvSpPr>
-          <p:cNvPr id="25" name="TextBox 24">
-            <a:extLst>
-              <a:ext uri="{FF2B5EF4-FFF2-40B4-BE49-F238E27FC236}">
-                <a16:creationId xmlns:a16="http://schemas.microsoft.com/office/drawing/2014/main" id="{BC4431F5-F6A0-A405-C29D-8E0D5B196F52}"/>
-              </a:ext>
-            </a:extLst>
-          </p:cNvPr>
-          <p:cNvSpPr txBox="1"/>
-          <p:nvPr/>
-        </p:nvSpPr>
-        <p:spPr>
-          <a:xfrm>
-            <a:off x="1772266" y="1069569"/>
-            <a:ext cx="6037006" cy="369332"/>
-          </a:xfrm>
-          <a:prstGeom prst="rect">
-            <a:avLst/>
-          </a:prstGeom>
-          <a:noFill/>
-        </p:spPr>
-        <p:txBody>
-          <a:bodyPr wrap="square" rtlCol="0">
-            <a:spAutoFit/>
-          </a:bodyPr>
-          <a:lstStyle/>
-          <a:p>
-            <a:r>
-              <a:rPr lang="en-CA" b="1" u="sng"/>
-              <a:t>Tank-Pump-Pipe Model for the 4 types of Shock</a:t>
-            </a:r>
-          </a:p>
-        </p:txBody>
-      </p:sp>
-      <p:sp>
-        <p:nvSpPr>
-          <p:cNvPr id="26" name="TextBox 25">
-            <a:extLst>
-              <a:ext uri="{FF2B5EF4-FFF2-40B4-BE49-F238E27FC236}">
-                <a16:creationId xmlns:a16="http://schemas.microsoft.com/office/drawing/2014/main" id="{02ACE997-2F1D-C7B6-131A-A6FD9D032F5E}"/>
-              </a:ext>
-            </a:extLst>
-          </p:cNvPr>
-          <p:cNvSpPr txBox="1"/>
-          <p:nvPr/>
-        </p:nvSpPr>
-        <p:spPr>
-          <a:xfrm>
-            <a:off x="1549499" y="3849817"/>
-            <a:ext cx="1610656" cy="646331"/>
-          </a:xfrm>
-          <a:prstGeom prst="rect">
-            <a:avLst/>
-          </a:prstGeom>
-          <a:noFill/>
-        </p:spPr>
-        <p:txBody>
-          <a:bodyPr wrap="square" rtlCol="0">
-            <a:spAutoFit/>
-          </a:bodyPr>
-          <a:lstStyle/>
-          <a:p>
-            <a:r>
-              <a:rPr lang="en-CA" b="1" i="1">
-                <a:solidFill>
-                  <a:srgbClr val="FF0000"/>
-                </a:solidFill>
-              </a:rPr>
-              <a:t>Empty Tank - Hypovolemic</a:t>
-            </a:r>
-          </a:p>
-        </p:txBody>
-      </p:sp>
-      <p:sp>
-        <p:nvSpPr>
-          <p:cNvPr id="27" name="TextBox 26">
-            <a:extLst>
-              <a:ext uri="{FF2B5EF4-FFF2-40B4-BE49-F238E27FC236}">
-                <a16:creationId xmlns:a16="http://schemas.microsoft.com/office/drawing/2014/main" id="{DF6056A6-7845-4EB6-AE2D-25CFBC7AF0ED}"/>
-              </a:ext>
-            </a:extLst>
-          </p:cNvPr>
-          <p:cNvSpPr txBox="1"/>
-          <p:nvPr/>
-        </p:nvSpPr>
-        <p:spPr>
-          <a:xfrm>
-            <a:off x="6981514" y="4747695"/>
-            <a:ext cx="1610656" cy="646331"/>
-          </a:xfrm>
-          <a:prstGeom prst="rect">
-            <a:avLst/>
-          </a:prstGeom>
-          <a:noFill/>
-        </p:spPr>
-        <p:txBody>
-          <a:bodyPr wrap="square" rtlCol="0">
-            <a:spAutoFit/>
-          </a:bodyPr>
-          <a:lstStyle/>
-          <a:p>
-            <a:r>
-              <a:rPr lang="en-CA" b="1" i="1">
-                <a:solidFill>
-                  <a:srgbClr val="FF0000"/>
-                </a:solidFill>
-              </a:rPr>
-              <a:t>Pump Issue – </a:t>
-            </a:r>
-          </a:p>
-          <a:p>
-            <a:r>
-              <a:rPr lang="en-CA" b="1" i="1">
-                <a:solidFill>
-                  <a:srgbClr val="FF0000"/>
-                </a:solidFill>
-              </a:rPr>
-              <a:t>Cardiogenic</a:t>
-            </a:r>
-          </a:p>
-        </p:txBody>
-      </p:sp>
-      <p:sp>
-        <p:nvSpPr>
-          <p:cNvPr id="28" name="TextBox 27">
-            <a:extLst>
-              <a:ext uri="{FF2B5EF4-FFF2-40B4-BE49-F238E27FC236}">
-                <a16:creationId xmlns:a16="http://schemas.microsoft.com/office/drawing/2014/main" id="{8DC81568-8D9E-5A02-9CF7-1281D022B2A9}"/>
-              </a:ext>
-            </a:extLst>
-          </p:cNvPr>
-          <p:cNvSpPr txBox="1"/>
-          <p:nvPr/>
-        </p:nvSpPr>
-        <p:spPr>
-          <a:xfrm>
-            <a:off x="6903163" y="2565666"/>
-            <a:ext cx="2044192" cy="646331"/>
-          </a:xfrm>
-          <a:prstGeom prst="rect">
-            <a:avLst/>
-          </a:prstGeom>
-          <a:noFill/>
-        </p:spPr>
-        <p:txBody>
-          <a:bodyPr wrap="square" rtlCol="0">
-            <a:spAutoFit/>
-          </a:bodyPr>
-          <a:lstStyle/>
-          <a:p>
-            <a:r>
-              <a:rPr lang="en-CA" b="1" i="1">
-                <a:solidFill>
-                  <a:srgbClr val="FF0000"/>
-                </a:solidFill>
-              </a:rPr>
-              <a:t>Pipe Blockage - Obstructive</a:t>
-            </a:r>
-          </a:p>
-        </p:txBody>
-      </p:sp>
-      <p:sp>
-        <p:nvSpPr>
-          <p:cNvPr id="29" name="Rectangle 28">
-            <a:extLst>
-              <a:ext uri="{FF2B5EF4-FFF2-40B4-BE49-F238E27FC236}">
-                <a16:creationId xmlns:a16="http://schemas.microsoft.com/office/drawing/2014/main" id="{F86CA720-86F4-6B4D-D788-AFA5757CCE3F}"/>
-              </a:ext>
-            </a:extLst>
-          </p:cNvPr>
-          <p:cNvSpPr/>
-          <p:nvPr/>
-        </p:nvSpPr>
-        <p:spPr>
-          <a:xfrm rot="16200000">
-            <a:off x="6309542" y="2760292"/>
-            <a:ext cx="369331" cy="275304"/>
-          </a:xfrm>
-          <a:prstGeom prst="rect">
-            <a:avLst/>
-          </a:prstGeom>
-          <a:solidFill>
-            <a:schemeClr val="tx1"/>
-          </a:solidFill>
-        </p:spPr>
-        <p:style>
-          <a:lnRef idx="2">
-            <a:schemeClr val="accent1">
-              <a:shade val="15000"/>
-            </a:schemeClr>
-          </a:lnRef>
-          <a:fillRef idx="1">
-            <a:schemeClr val="accent1"/>
-          </a:fillRef>
-          <a:effectRef idx="0">
-            <a:schemeClr val="accent1"/>
-          </a:effectRef>
-          <a:fontRef idx="minor">
-            <a:schemeClr val="lt1"/>
-          </a:fontRef>
-        </p:style>
-        <p:txBody>
-          <a:bodyPr rtlCol="0" anchor="ctr"/>
-          <a:lstStyle/>
-          <a:p>
-            <a:pPr algn="ctr"/>
-            <a:endParaRPr lang="en-CA"/>
-          </a:p>
-        </p:txBody>
-      </p:sp>
-      <p:cxnSp>
-        <p:nvCxnSpPr>
-          <p:cNvPr id="36" name="Straight Arrow Connector 35">
-            <a:extLst>
-              <a:ext uri="{FF2B5EF4-FFF2-40B4-BE49-F238E27FC236}">
-                <a16:creationId xmlns:a16="http://schemas.microsoft.com/office/drawing/2014/main" id="{52596C97-2066-186B-B1BC-CDB344B39DC7}"/>
-              </a:ext>
-            </a:extLst>
-          </p:cNvPr>
-          <p:cNvCxnSpPr>
-            <a:cxnSpLocks/>
-            <a:stCxn id="28" idx="1"/>
-          </p:cNvCxnSpPr>
-          <p:nvPr/>
-        </p:nvCxnSpPr>
-        <p:spPr>
-          <a:xfrm flipH="1">
-            <a:off x="6494207" y="2888832"/>
-            <a:ext cx="408956" cy="9112"/>
-          </a:xfrm>
-          <a:prstGeom prst="straightConnector1">
-            <a:avLst/>
-          </a:prstGeom>
-          <a:ln>
-            <a:solidFill>
-              <a:srgbClr val="FF0000"/>
-            </a:solidFill>
-            <a:tailEnd type="triangle"/>
-          </a:ln>
-        </p:spPr>
-        <p:style>
-          <a:lnRef idx="2">
-            <a:schemeClr val="accent1"/>
-          </a:lnRef>
-          <a:fillRef idx="0">
-            <a:schemeClr val="accent1"/>
-          </a:fillRef>
-          <a:effectRef idx="1">
-            <a:schemeClr val="accent1"/>
-          </a:effectRef>
-          <a:fontRef idx="minor">
-            <a:schemeClr val="tx1"/>
-          </a:fontRef>
-        </p:style>
-      </p:cxnSp>
-      <p:cxnSp>
-        <p:nvCxnSpPr>
-          <p:cNvPr id="38" name="Straight Arrow Connector 37">
-            <a:extLst>
-              <a:ext uri="{FF2B5EF4-FFF2-40B4-BE49-F238E27FC236}">
-                <a16:creationId xmlns:a16="http://schemas.microsoft.com/office/drawing/2014/main" id="{BA1BF602-0128-936E-D27C-A2A1C32BE2B5}"/>
-              </a:ext>
-            </a:extLst>
-          </p:cNvPr>
-          <p:cNvCxnSpPr>
-            <a:cxnSpLocks/>
-          </p:cNvCxnSpPr>
-          <p:nvPr/>
-        </p:nvCxnSpPr>
-        <p:spPr>
-          <a:xfrm flipH="1">
-            <a:off x="6356555" y="5006216"/>
-            <a:ext cx="638948" cy="9470"/>
-          </a:xfrm>
-          <a:prstGeom prst="straightConnector1">
-            <a:avLst/>
-          </a:prstGeom>
-          <a:ln>
-            <a:solidFill>
-              <a:srgbClr val="FF0000"/>
-            </a:solidFill>
-            <a:tailEnd type="triangle"/>
-          </a:ln>
-        </p:spPr>
-        <p:style>
-          <a:lnRef idx="2">
-            <a:schemeClr val="accent1"/>
-          </a:lnRef>
-          <a:fillRef idx="0">
-            <a:schemeClr val="accent1"/>
-          </a:fillRef>
-          <a:effectRef idx="1">
-            <a:schemeClr val="accent1"/>
-          </a:effectRef>
-          <a:fontRef idx="minor">
-            <a:schemeClr val="tx1"/>
-          </a:fontRef>
-        </p:style>
-      </p:cxnSp>
-      <p:sp>
-        <p:nvSpPr>
-          <p:cNvPr id="42" name="Rectangle: Rounded Corners 41">
-            <a:extLst>
-              <a:ext uri="{FF2B5EF4-FFF2-40B4-BE49-F238E27FC236}">
-                <a16:creationId xmlns:a16="http://schemas.microsoft.com/office/drawing/2014/main" id="{C6A453D1-553C-53EA-A4F1-D96FD645F885}"/>
-              </a:ext>
-            </a:extLst>
-          </p:cNvPr>
-          <p:cNvSpPr/>
-          <p:nvPr/>
-        </p:nvSpPr>
-        <p:spPr>
-          <a:xfrm>
-            <a:off x="1549499" y="5150615"/>
-            <a:ext cx="1610656" cy="132961"/>
-          </a:xfrm>
-          <a:prstGeom prst="roundRect">
-            <a:avLst/>
-          </a:prstGeom>
-          <a:solidFill>
-            <a:schemeClr val="tx2">
-              <a:lumMod val="50000"/>
-              <a:lumOff val="50000"/>
-            </a:schemeClr>
-          </a:solidFill>
-          <a:ln>
-            <a:noFill/>
-          </a:ln>
-        </p:spPr>
-        <p:style>
-          <a:lnRef idx="2">
-            <a:schemeClr val="accent1">
-              <a:shade val="15000"/>
-            </a:schemeClr>
-          </a:lnRef>
-          <a:fillRef idx="1">
-            <a:schemeClr val="accent1"/>
-          </a:fillRef>
-          <a:effectRef idx="0">
-            <a:schemeClr val="accent1"/>
-          </a:effectRef>
-          <a:fontRef idx="minor">
-            <a:schemeClr val="lt1"/>
-          </a:fontRef>
-        </p:style>
-        <p:txBody>
-          <a:bodyPr rtlCol="0" anchor="ctr"/>
-          <a:lstStyle/>
-          <a:p>
-            <a:pPr algn="ctr"/>
-            <a:endParaRPr lang="en-CA"/>
-          </a:p>
-        </p:txBody>
-      </p:sp>
-      <p:sp>
-        <p:nvSpPr>
-          <p:cNvPr id="45" name="Left Brace 44">
-            <a:extLst>
-              <a:ext uri="{FF2B5EF4-FFF2-40B4-BE49-F238E27FC236}">
-                <a16:creationId xmlns:a16="http://schemas.microsoft.com/office/drawing/2014/main" id="{3F8210E3-A3B6-8354-35C8-EB4188445A8F}"/>
-              </a:ext>
-            </a:extLst>
-          </p:cNvPr>
-          <p:cNvSpPr/>
-          <p:nvPr/>
-        </p:nvSpPr>
-        <p:spPr>
-          <a:xfrm rot="16200000">
-            <a:off x="4300146" y="4843460"/>
-            <a:ext cx="169918" cy="1509252"/>
-          </a:xfrm>
-          <a:prstGeom prst="leftBrace">
-            <a:avLst/>
-          </a:prstGeom>
-          <a:ln>
-            <a:solidFill>
-              <a:srgbClr val="FF0000"/>
-            </a:solidFill>
-          </a:ln>
-        </p:spPr>
-        <p:style>
-          <a:lnRef idx="2">
-            <a:schemeClr val="accent1"/>
-          </a:lnRef>
-          <a:fillRef idx="0">
-            <a:schemeClr val="accent1"/>
-          </a:fillRef>
-          <a:effectRef idx="1">
-            <a:schemeClr val="accent1"/>
-          </a:effectRef>
-          <a:fontRef idx="minor">
-            <a:schemeClr val="tx1"/>
-          </a:fontRef>
-        </p:style>
-        <p:txBody>
-          <a:bodyPr rtlCol="0" anchor="ctr"/>
-          <a:lstStyle/>
-          <a:p>
-            <a:pPr algn="ctr"/>
-            <a:endParaRPr lang="en-CA"/>
-          </a:p>
-        </p:txBody>
-      </p:sp>
-      <p:sp>
-        <p:nvSpPr>
-          <p:cNvPr id="46" name="TextBox 45">
-            <a:extLst>
-              <a:ext uri="{FF2B5EF4-FFF2-40B4-BE49-F238E27FC236}">
-                <a16:creationId xmlns:a16="http://schemas.microsoft.com/office/drawing/2014/main" id="{4A25E235-3AAD-A0F1-808B-0EDCFDE16F94}"/>
-              </a:ext>
-            </a:extLst>
-          </p:cNvPr>
-          <p:cNvSpPr txBox="1"/>
-          <p:nvPr/>
-        </p:nvSpPr>
-        <p:spPr>
-          <a:xfrm>
-            <a:off x="3687393" y="5656443"/>
-            <a:ext cx="1610656" cy="646331"/>
-          </a:xfrm>
-          <a:prstGeom prst="rect">
-            <a:avLst/>
-          </a:prstGeom>
-          <a:noFill/>
-        </p:spPr>
-        <p:txBody>
-          <a:bodyPr wrap="square" rtlCol="0">
-            <a:spAutoFit/>
-          </a:bodyPr>
-          <a:lstStyle/>
-          <a:p>
-            <a:r>
-              <a:rPr lang="en-CA" b="1" i="1">
-                <a:solidFill>
-                  <a:srgbClr val="FF0000"/>
-                </a:solidFill>
-              </a:rPr>
-              <a:t>Leaky Pipes – </a:t>
-            </a:r>
-          </a:p>
-          <a:p>
-            <a:r>
-              <a:rPr lang="en-CA" b="1" i="1">
-                <a:solidFill>
-                  <a:srgbClr val="FF0000"/>
-                </a:solidFill>
-              </a:rPr>
-              <a:t>Distributive</a:t>
-            </a:r>
-          </a:p>
-        </p:txBody>
-      </p:sp>
     </p:spTree>
     <p:extLst>
       <p:ext uri="{BB962C8B-B14F-4D97-AF65-F5344CB8AC3E}">
